--- a/README.pptx
+++ b/README.pptx
@@ -591,7 +591,7 @@
           <a:p>
             <a:r>
               <a:rPr lang="en-US" dirty="0"/>
-              <a:t/>
+              <a:t>HTML comment will recognize as presenter notes.</a:t>
             </a:r>
             <a:endParaRPr lang="en-US" dirty="0"/>
           </a:p>
